--- a/03_debuggin_and_visualization/Visualizations.pptx
+++ b/03_debuggin_and_visualization/Visualizations.pptx
@@ -5,14 +5,17 @@
     <p:sldMasterId id="2147483648" r:id="rId1"/>
   </p:sldMasterIdLst>
   <p:notesMasterIdLst>
-    <p:notesMasterId r:id="rId4"/>
+    <p:notesMasterId r:id="rId7"/>
   </p:notesMasterIdLst>
   <p:handoutMasterIdLst>
-    <p:handoutMasterId r:id="rId5"/>
+    <p:handoutMasterId r:id="rId8"/>
   </p:handoutMasterIdLst>
   <p:sldIdLst>
     <p:sldId id="256" r:id="rId2"/>
-    <p:sldId id="257" r:id="rId3"/>
+    <p:sldId id="260" r:id="rId3"/>
+    <p:sldId id="257" r:id="rId4"/>
+    <p:sldId id="258" r:id="rId5"/>
+    <p:sldId id="259" r:id="rId6"/>
   </p:sldIdLst>
   <p:sldSz cx="12192000" cy="6858000"/>
   <p:notesSz cx="6858000" cy="9144000"/>
@@ -216,7 +219,7 @@
           <a:p>
             <a:fld id="{D75CAE95-D2DD-4998-876A-092BFD628C65}" type="datetimeFigureOut">
               <a:rPr lang="da-DK" smtClean="0"/>
-              <a:t>12-05-2021</a:t>
+              <a:t>19-05-2021</a:t>
             </a:fld>
             <a:endParaRPr lang="da-DK"/>
           </a:p>
@@ -394,7 +397,7 @@
           <a:p>
             <a:fld id="{1DA8E099-58AA-4136-B409-1CAD1943D842}" type="datetimeFigureOut">
               <a:rPr lang="da-DK" smtClean="0"/>
-              <a:t>12-05-2021</a:t>
+              <a:t>19-05-2021</a:t>
             </a:fld>
             <a:endParaRPr lang="da-DK"/>
           </a:p>
@@ -812,7 +815,7 @@
           <a:p>
             <a:fld id="{C85334AD-9960-4065-BF34-86ED0345A76D}" type="datetime1">
               <a:rPr lang="en-US" smtClean="0"/>
-              <a:t>5/12/2021</a:t>
+              <a:t>5/19/2021</a:t>
             </a:fld>
             <a:endParaRPr lang="da-DK"/>
           </a:p>
@@ -1051,7 +1054,7 @@
           <a:p>
             <a:fld id="{C5669758-3775-48D7-A841-693E908C3BF4}" type="datetime1">
               <a:rPr lang="en-US" smtClean="0"/>
-              <a:t>5/12/2021</a:t>
+              <a:t>5/19/2021</a:t>
             </a:fld>
             <a:endParaRPr lang="da-DK"/>
           </a:p>
@@ -1264,7 +1267,7 @@
           <a:p>
             <a:fld id="{1E0C3FF1-EDBD-4F2A-8366-34A4E3728310}" type="datetime1">
               <a:rPr lang="en-US" smtClean="0"/>
-              <a:t>5/12/2021</a:t>
+              <a:t>5/19/2021</a:t>
             </a:fld>
             <a:endParaRPr lang="da-DK"/>
           </a:p>
@@ -1485,7 +1488,7 @@
           <a:p>
             <a:fld id="{019E29B9-5584-4737-9C98-1B926378C778}" type="datetime1">
               <a:rPr lang="en-US" smtClean="0"/>
-              <a:t>5/12/2021</a:t>
+              <a:t>5/19/2021</a:t>
             </a:fld>
             <a:endParaRPr lang="da-DK"/>
           </a:p>
@@ -1800,7 +1803,7 @@
           <a:p>
             <a:fld id="{FCE38F03-F67D-4508-A858-99FCD085087C}" type="datetime1">
               <a:rPr lang="en-US" smtClean="0"/>
-              <a:t>5/12/2021</a:t>
+              <a:t>5/19/2021</a:t>
             </a:fld>
             <a:endParaRPr lang="da-DK"/>
           </a:p>
@@ -2071,7 +2074,7 @@
           <a:p>
             <a:fld id="{B43F2930-3FFD-4F93-A4BD-4F0D1A0B4514}" type="datetime1">
               <a:rPr lang="en-US" smtClean="0"/>
-              <a:t>5/12/2021</a:t>
+              <a:t>5/19/2021</a:t>
             </a:fld>
             <a:endParaRPr lang="da-DK"/>
           </a:p>
@@ -2489,7 +2492,7 @@
           <a:p>
             <a:fld id="{8E0F9B9B-30CC-4693-8E0F-1A94A979E2C5}" type="datetime1">
               <a:rPr lang="en-US" smtClean="0"/>
-              <a:t>5/12/2021</a:t>
+              <a:t>5/19/2021</a:t>
             </a:fld>
             <a:endParaRPr lang="da-DK"/>
           </a:p>
@@ -2634,7 +2637,7 @@
           <a:p>
             <a:fld id="{6FE1433B-E6A7-44FF-8B55-539471B4D7C5}" type="datetime1">
               <a:rPr lang="en-US" smtClean="0"/>
-              <a:t>5/12/2021</a:t>
+              <a:t>5/19/2021</a:t>
             </a:fld>
             <a:endParaRPr lang="da-DK"/>
           </a:p>
@@ -2750,7 +2753,7 @@
           <a:p>
             <a:fld id="{624F4001-6A8C-42DA-824F-B5CC1375B861}" type="datetime1">
               <a:rPr lang="en-US" smtClean="0"/>
-              <a:t>5/12/2021</a:t>
+              <a:t>5/19/2021</a:t>
             </a:fld>
             <a:endParaRPr lang="da-DK"/>
           </a:p>
@@ -3066,7 +3069,7 @@
           <a:p>
             <a:fld id="{2D3BE137-2C5E-4078-8BA2-7D42D7E67218}" type="datetime1">
               <a:rPr lang="en-US" smtClean="0"/>
-              <a:t>5/12/2021</a:t>
+              <a:t>5/19/2021</a:t>
             </a:fld>
             <a:endParaRPr lang="da-DK"/>
           </a:p>
@@ -3358,7 +3361,7 @@
           <a:p>
             <a:fld id="{0D1436FF-56D3-4E93-92E8-71121EAB120E}" type="datetime1">
               <a:rPr lang="en-US" smtClean="0"/>
-              <a:t>5/12/2021</a:t>
+              <a:t>5/19/2021</a:t>
             </a:fld>
             <a:endParaRPr lang="da-DK"/>
           </a:p>
@@ -3604,7 +3607,7 @@
           <a:p>
             <a:fld id="{16601EF2-4BCA-4009-ACCF-B97F259DEF6F}" type="datetime1">
               <a:rPr lang="en-US" smtClean="0"/>
-              <a:t>5/12/2021</a:t>
+              <a:t>5/19/2021</a:t>
             </a:fld>
             <a:endParaRPr lang="da-DK"/>
           </a:p>
@@ -4163,7 +4166,7 @@
           <p:cNvPr id="2" name="Title 1">
             <a:extLst>
               <a:ext uri="{FF2B5EF4-FFF2-40B4-BE49-F238E27FC236}">
-                <a16:creationId xmlns:a16="http://schemas.microsoft.com/office/drawing/2014/main" id="{4C828CF9-C571-472F-8D54-29CA76BD645C}"/>
+                <a16:creationId xmlns:a16="http://schemas.microsoft.com/office/drawing/2014/main" id="{CC0CAB6C-6056-4AC1-9338-5D16D8825D49}"/>
               </a:ext>
             </a:extLst>
           </p:cNvPr>
@@ -4179,7 +4182,10 @@
           <a:bodyPr/>
           <a:lstStyle/>
           <a:p>
-            <a:endParaRPr lang="da-DK"/>
+            <a:r>
+              <a:rPr lang="da-DK" dirty="0"/>
+              <a:t>A picture worth a thousand words</a:t>
+            </a:r>
           </a:p>
         </p:txBody>
       </p:sp>
@@ -4188,7 +4194,7 @@
           <p:cNvPr id="3" name="Content Placeholder 2">
             <a:extLst>
               <a:ext uri="{FF2B5EF4-FFF2-40B4-BE49-F238E27FC236}">
-                <a16:creationId xmlns:a16="http://schemas.microsoft.com/office/drawing/2014/main" id="{F14CDBF9-74F5-47CD-9D64-FC2CBBFED639}"/>
+                <a16:creationId xmlns:a16="http://schemas.microsoft.com/office/drawing/2014/main" id="{B2546AA1-9842-404C-B810-DA39EAA83D22}"/>
               </a:ext>
             </a:extLst>
           </p:cNvPr>
@@ -4204,25 +4210,7 @@
           <a:bodyPr/>
           <a:lstStyle/>
           <a:p>
-            <a:r>
-              <a:rPr lang="da-DK" dirty="0"/>
-              <a:t>Save everything</a:t>
-            </a:r>
-          </a:p>
-          <a:p>
-            <a:r>
-              <a:rPr lang="da-DK" dirty="0"/>
-              <a:t>Save everything in multiple formats (atleats both pixel + vector)</a:t>
-            </a:r>
-          </a:p>
-          <a:p>
-            <a:r>
-              <a:rPr lang="da-DK" dirty="0"/>
-              <a:t>Save individually points</a:t>
-            </a:r>
-          </a:p>
-          <a:p>
-            <a:endParaRPr lang="da-DK" dirty="0"/>
+            <a:endParaRPr lang="da-DK"/>
           </a:p>
         </p:txBody>
       </p:sp>
@@ -4231,7 +4219,7 @@
           <p:cNvPr id="4" name="Date Placeholder 3">
             <a:extLst>
               <a:ext uri="{FF2B5EF4-FFF2-40B4-BE49-F238E27FC236}">
-                <a16:creationId xmlns:a16="http://schemas.microsoft.com/office/drawing/2014/main" id="{F6668EE1-7D14-4549-89F8-2CCE4EE238C1}"/>
+                <a16:creationId xmlns:a16="http://schemas.microsoft.com/office/drawing/2014/main" id="{61D378DB-914F-4B36-BBC7-9A7CC84A2BD6}"/>
               </a:ext>
             </a:extLst>
           </p:cNvPr>
@@ -4249,7 +4237,7 @@
           <a:p>
             <a:fld id="{019E29B9-5584-4737-9C98-1B926378C778}" type="datetime1">
               <a:rPr lang="en-US" smtClean="0"/>
-              <a:t>5/12/2021</a:t>
+              <a:t>5/19/2021</a:t>
             </a:fld>
             <a:endParaRPr lang="da-DK"/>
           </a:p>
@@ -4260,7 +4248,7 @@
           <p:cNvPr id="5" name="Footer Placeholder 4">
             <a:extLst>
               <a:ext uri="{FF2B5EF4-FFF2-40B4-BE49-F238E27FC236}">
-                <a16:creationId xmlns:a16="http://schemas.microsoft.com/office/drawing/2014/main" id="{8E81489A-B3E9-4B9B-9350-B93F492816B0}"/>
+                <a16:creationId xmlns:a16="http://schemas.microsoft.com/office/drawing/2014/main" id="{8C04E415-912E-45D0-933A-32D29DC55B7D}"/>
               </a:ext>
             </a:extLst>
           </p:cNvPr>
@@ -4288,7 +4276,7 @@
           <p:cNvPr id="6" name="Slide Number Placeholder 5">
             <a:extLst>
               <a:ext uri="{FF2B5EF4-FFF2-40B4-BE49-F238E27FC236}">
-                <a16:creationId xmlns:a16="http://schemas.microsoft.com/office/drawing/2014/main" id="{D6DD0BF5-1A90-4701-B13C-7FF872BC2187}"/>
+                <a16:creationId xmlns:a16="http://schemas.microsoft.com/office/drawing/2014/main" id="{573A74DA-F125-4973-B3D5-ED5843A64DF5}"/>
               </a:ext>
             </a:extLst>
           </p:cNvPr>
@@ -4315,7 +4303,551 @@
     </p:spTree>
     <p:extLst>
       <p:ext uri="{BB962C8B-B14F-4D97-AF65-F5344CB8AC3E}">
+        <p14:creationId xmlns:p14="http://schemas.microsoft.com/office/powerpoint/2010/main" val="483584482"/>
+      </p:ext>
+    </p:extLst>
+  </p:cSld>
+  <p:clrMapOvr>
+    <a:masterClrMapping/>
+  </p:clrMapOvr>
+</p:sld>
+</file>
+
+<file path=ppt/slides/slide3.xml><?xml version="1.0" encoding="utf-8"?>
+<p:sld xmlns:a="http://schemas.openxmlformats.org/drawingml/2006/main" xmlns:r="http://schemas.openxmlformats.org/officeDocument/2006/relationships" xmlns:p="http://schemas.openxmlformats.org/presentationml/2006/main">
+  <p:cSld>
+    <p:spTree>
+      <p:nvGrpSpPr>
+        <p:cNvPr id="1" name=""/>
+        <p:cNvGrpSpPr/>
+        <p:nvPr/>
+      </p:nvGrpSpPr>
+      <p:grpSpPr>
+        <a:xfrm>
+          <a:off x="0" y="0"/>
+          <a:ext cx="0" cy="0"/>
+          <a:chOff x="0" y="0"/>
+          <a:chExt cx="0" cy="0"/>
+        </a:xfrm>
+      </p:grpSpPr>
+      <p:sp>
+        <p:nvSpPr>
+          <p:cNvPr id="2" name="Title 1">
+            <a:extLst>
+              <a:ext uri="{FF2B5EF4-FFF2-40B4-BE49-F238E27FC236}">
+                <a16:creationId xmlns:a16="http://schemas.microsoft.com/office/drawing/2014/main" id="{4C828CF9-C571-472F-8D54-29CA76BD645C}"/>
+              </a:ext>
+            </a:extLst>
+          </p:cNvPr>
+          <p:cNvSpPr>
+            <a:spLocks noGrp="1"/>
+          </p:cNvSpPr>
+          <p:nvPr>
+            <p:ph type="title"/>
+          </p:nvPr>
+        </p:nvSpPr>
+        <p:spPr/>
+        <p:txBody>
+          <a:bodyPr/>
+          <a:lstStyle/>
+          <a:p>
+            <a:endParaRPr lang="da-DK" dirty="0"/>
+          </a:p>
+        </p:txBody>
+      </p:sp>
+      <p:sp>
+        <p:nvSpPr>
+          <p:cNvPr id="3" name="Content Placeholder 2">
+            <a:extLst>
+              <a:ext uri="{FF2B5EF4-FFF2-40B4-BE49-F238E27FC236}">
+                <a16:creationId xmlns:a16="http://schemas.microsoft.com/office/drawing/2014/main" id="{F14CDBF9-74F5-47CD-9D64-FC2CBBFED639}"/>
+              </a:ext>
+            </a:extLst>
+          </p:cNvPr>
+          <p:cNvSpPr>
+            <a:spLocks noGrp="1"/>
+          </p:cNvSpPr>
+          <p:nvPr>
+            <p:ph idx="1"/>
+          </p:nvPr>
+        </p:nvSpPr>
+        <p:spPr/>
+        <p:txBody>
+          <a:bodyPr/>
+          <a:lstStyle/>
+          <a:p>
+            <a:r>
+              <a:rPr lang="da-DK" dirty="0"/>
+              <a:t>Save everything</a:t>
+            </a:r>
+          </a:p>
+          <a:p>
+            <a:pPr lvl="1"/>
+            <a:r>
+              <a:rPr lang="da-DK" dirty="0"/>
+              <a:t>Di</a:t>
+            </a:r>
+          </a:p>
+          <a:p>
+            <a:r>
+              <a:rPr lang="da-DK" dirty="0"/>
+              <a:t>Save everything in multiple formats (atleats both pixel + vector format)</a:t>
+            </a:r>
+          </a:p>
+          <a:p>
+            <a:r>
+              <a:rPr lang="da-DK" dirty="0"/>
+              <a:t>Save individually points</a:t>
+            </a:r>
+          </a:p>
+          <a:p>
+            <a:endParaRPr lang="da-DK" dirty="0"/>
+          </a:p>
+        </p:txBody>
+      </p:sp>
+      <p:sp>
+        <p:nvSpPr>
+          <p:cNvPr id="4" name="Date Placeholder 3">
+            <a:extLst>
+              <a:ext uri="{FF2B5EF4-FFF2-40B4-BE49-F238E27FC236}">
+                <a16:creationId xmlns:a16="http://schemas.microsoft.com/office/drawing/2014/main" id="{F6668EE1-7D14-4549-89F8-2CCE4EE238C1}"/>
+              </a:ext>
+            </a:extLst>
+          </p:cNvPr>
+          <p:cNvSpPr>
+            <a:spLocks noGrp="1"/>
+          </p:cNvSpPr>
+          <p:nvPr>
+            <p:ph type="dt" sz="half" idx="10"/>
+          </p:nvPr>
+        </p:nvSpPr>
+        <p:spPr/>
+        <p:txBody>
+          <a:bodyPr/>
+          <a:lstStyle/>
+          <a:p>
+            <a:fld id="{019E29B9-5584-4737-9C98-1B926378C778}" type="datetime1">
+              <a:rPr lang="en-US" smtClean="0"/>
+              <a:t>5/19/2021</a:t>
+            </a:fld>
+            <a:endParaRPr lang="da-DK"/>
+          </a:p>
+        </p:txBody>
+      </p:sp>
+      <p:sp>
+        <p:nvSpPr>
+          <p:cNvPr id="5" name="Footer Placeholder 4">
+            <a:extLst>
+              <a:ext uri="{FF2B5EF4-FFF2-40B4-BE49-F238E27FC236}">
+                <a16:creationId xmlns:a16="http://schemas.microsoft.com/office/drawing/2014/main" id="{8E81489A-B3E9-4B9B-9350-B93F492816B0}"/>
+              </a:ext>
+            </a:extLst>
+          </p:cNvPr>
+          <p:cNvSpPr>
+            <a:spLocks noGrp="1"/>
+          </p:cNvSpPr>
+          <p:nvPr>
+            <p:ph type="ftr" sz="quarter" idx="11"/>
+          </p:nvPr>
+        </p:nvSpPr>
+        <p:spPr/>
+        <p:txBody>
+          <a:bodyPr/>
+          <a:lstStyle/>
+          <a:p>
+            <a:r>
+              <a:rPr lang="da-DK"/>
+              <a:t>Nicki Skafte Detlefsen</a:t>
+            </a:r>
+          </a:p>
+        </p:txBody>
+      </p:sp>
+      <p:sp>
+        <p:nvSpPr>
+          <p:cNvPr id="6" name="Slide Number Placeholder 5">
+            <a:extLst>
+              <a:ext uri="{FF2B5EF4-FFF2-40B4-BE49-F238E27FC236}">
+                <a16:creationId xmlns:a16="http://schemas.microsoft.com/office/drawing/2014/main" id="{D6DD0BF5-1A90-4701-B13C-7FF872BC2187}"/>
+              </a:ext>
+            </a:extLst>
+          </p:cNvPr>
+          <p:cNvSpPr>
+            <a:spLocks noGrp="1"/>
+          </p:cNvSpPr>
+          <p:nvPr>
+            <p:ph type="sldNum" sz="quarter" idx="12"/>
+          </p:nvPr>
+        </p:nvSpPr>
+        <p:spPr/>
+        <p:txBody>
+          <a:bodyPr/>
+          <a:lstStyle/>
+          <a:p>
+            <a:fld id="{F6FEDE24-D50C-481B-A7B4-8AF13899101A}" type="slidenum">
+              <a:rPr lang="da-DK" smtClean="0"/>
+              <a:t>3</a:t>
+            </a:fld>
+            <a:endParaRPr lang="da-DK"/>
+          </a:p>
+        </p:txBody>
+      </p:sp>
+    </p:spTree>
+    <p:extLst>
+      <p:ext uri="{BB962C8B-B14F-4D97-AF65-F5344CB8AC3E}">
         <p14:creationId xmlns:p14="http://schemas.microsoft.com/office/powerpoint/2010/main" val="4118394605"/>
+      </p:ext>
+    </p:extLst>
+  </p:cSld>
+  <p:clrMapOvr>
+    <a:masterClrMapping/>
+  </p:clrMapOvr>
+</p:sld>
+</file>
+
+<file path=ppt/slides/slide4.xml><?xml version="1.0" encoding="utf-8"?>
+<p:sld xmlns:a="http://schemas.openxmlformats.org/drawingml/2006/main" xmlns:r="http://schemas.openxmlformats.org/officeDocument/2006/relationships" xmlns:p="http://schemas.openxmlformats.org/presentationml/2006/main">
+  <p:cSld>
+    <p:spTree>
+      <p:nvGrpSpPr>
+        <p:cNvPr id="1" name=""/>
+        <p:cNvGrpSpPr/>
+        <p:nvPr/>
+      </p:nvGrpSpPr>
+      <p:grpSpPr>
+        <a:xfrm>
+          <a:off x="0" y="0"/>
+          <a:ext cx="0" cy="0"/>
+          <a:chOff x="0" y="0"/>
+          <a:chExt cx="0" cy="0"/>
+        </a:xfrm>
+      </p:grpSpPr>
+      <p:sp>
+        <p:nvSpPr>
+          <p:cNvPr id="2" name="Title 1">
+            <a:extLst>
+              <a:ext uri="{FF2B5EF4-FFF2-40B4-BE49-F238E27FC236}">
+                <a16:creationId xmlns:a16="http://schemas.microsoft.com/office/drawing/2014/main" id="{D07461B1-2D43-413E-B38D-EE673978AA22}"/>
+              </a:ext>
+            </a:extLst>
+          </p:cNvPr>
+          <p:cNvSpPr>
+            <a:spLocks noGrp="1"/>
+          </p:cNvSpPr>
+          <p:nvPr>
+            <p:ph type="title"/>
+          </p:nvPr>
+        </p:nvSpPr>
+        <p:spPr/>
+        <p:txBody>
+          <a:bodyPr/>
+          <a:lstStyle/>
+          <a:p>
+            <a:r>
+              <a:rPr lang="da-DK" dirty="0"/>
+              <a:t>Python packages</a:t>
+            </a:r>
+          </a:p>
+        </p:txBody>
+      </p:sp>
+      <p:sp>
+        <p:nvSpPr>
+          <p:cNvPr id="3" name="Content Placeholder 2">
+            <a:extLst>
+              <a:ext uri="{FF2B5EF4-FFF2-40B4-BE49-F238E27FC236}">
+                <a16:creationId xmlns:a16="http://schemas.microsoft.com/office/drawing/2014/main" id="{680B85EC-22CA-431E-8617-DDE94C173825}"/>
+              </a:ext>
+            </a:extLst>
+          </p:cNvPr>
+          <p:cNvSpPr>
+            <a:spLocks noGrp="1"/>
+          </p:cNvSpPr>
+          <p:nvPr>
+            <p:ph idx="1"/>
+          </p:nvPr>
+        </p:nvSpPr>
+        <p:spPr/>
+        <p:txBody>
+          <a:bodyPr/>
+          <a:lstStyle/>
+          <a:p>
+            <a:r>
+              <a:rPr lang="da-DK" dirty="0"/>
+              <a:t>Matplotlib for easy plotting</a:t>
+            </a:r>
+          </a:p>
+          <a:p>
+            <a:endParaRPr lang="da-DK" dirty="0"/>
+          </a:p>
+          <a:p>
+            <a:r>
+              <a:rPr lang="da-DK" dirty="0"/>
+              <a:t>Seaborn for pretty plotting</a:t>
+            </a:r>
+          </a:p>
+          <a:p>
+            <a:endParaRPr lang="da-DK" dirty="0"/>
+          </a:p>
+          <a:p>
+            <a:endParaRPr lang="da-DK" dirty="0"/>
+          </a:p>
+        </p:txBody>
+      </p:sp>
+      <p:sp>
+        <p:nvSpPr>
+          <p:cNvPr id="4" name="Date Placeholder 3">
+            <a:extLst>
+              <a:ext uri="{FF2B5EF4-FFF2-40B4-BE49-F238E27FC236}">
+                <a16:creationId xmlns:a16="http://schemas.microsoft.com/office/drawing/2014/main" id="{B8255F86-E6E3-49C5-9FED-0C96E28530EE}"/>
+              </a:ext>
+            </a:extLst>
+          </p:cNvPr>
+          <p:cNvSpPr>
+            <a:spLocks noGrp="1"/>
+          </p:cNvSpPr>
+          <p:nvPr>
+            <p:ph type="dt" sz="half" idx="10"/>
+          </p:nvPr>
+        </p:nvSpPr>
+        <p:spPr/>
+        <p:txBody>
+          <a:bodyPr/>
+          <a:lstStyle/>
+          <a:p>
+            <a:fld id="{019E29B9-5584-4737-9C98-1B926378C778}" type="datetime1">
+              <a:rPr lang="en-US" smtClean="0"/>
+              <a:t>5/19/2021</a:t>
+            </a:fld>
+            <a:endParaRPr lang="da-DK"/>
+          </a:p>
+        </p:txBody>
+      </p:sp>
+      <p:sp>
+        <p:nvSpPr>
+          <p:cNvPr id="5" name="Footer Placeholder 4">
+            <a:extLst>
+              <a:ext uri="{FF2B5EF4-FFF2-40B4-BE49-F238E27FC236}">
+                <a16:creationId xmlns:a16="http://schemas.microsoft.com/office/drawing/2014/main" id="{9BB3A50A-AF2F-4CE9-846A-83FECD0F8587}"/>
+              </a:ext>
+            </a:extLst>
+          </p:cNvPr>
+          <p:cNvSpPr>
+            <a:spLocks noGrp="1"/>
+          </p:cNvSpPr>
+          <p:nvPr>
+            <p:ph type="ftr" sz="quarter" idx="11"/>
+          </p:nvPr>
+        </p:nvSpPr>
+        <p:spPr/>
+        <p:txBody>
+          <a:bodyPr/>
+          <a:lstStyle/>
+          <a:p>
+            <a:r>
+              <a:rPr lang="da-DK"/>
+              <a:t>Nicki Skafte Detlefsen</a:t>
+            </a:r>
+          </a:p>
+        </p:txBody>
+      </p:sp>
+      <p:sp>
+        <p:nvSpPr>
+          <p:cNvPr id="6" name="Slide Number Placeholder 5">
+            <a:extLst>
+              <a:ext uri="{FF2B5EF4-FFF2-40B4-BE49-F238E27FC236}">
+                <a16:creationId xmlns:a16="http://schemas.microsoft.com/office/drawing/2014/main" id="{F8A2309C-846C-4E2F-AFB8-ABF4C39DB5FC}"/>
+              </a:ext>
+            </a:extLst>
+          </p:cNvPr>
+          <p:cNvSpPr>
+            <a:spLocks noGrp="1"/>
+          </p:cNvSpPr>
+          <p:nvPr>
+            <p:ph type="sldNum" sz="quarter" idx="12"/>
+          </p:nvPr>
+        </p:nvSpPr>
+        <p:spPr/>
+        <p:txBody>
+          <a:bodyPr/>
+          <a:lstStyle/>
+          <a:p>
+            <a:fld id="{F6FEDE24-D50C-481B-A7B4-8AF13899101A}" type="slidenum">
+              <a:rPr lang="da-DK" smtClean="0"/>
+              <a:t>4</a:t>
+            </a:fld>
+            <a:endParaRPr lang="da-DK"/>
+          </a:p>
+        </p:txBody>
+      </p:sp>
+    </p:spTree>
+    <p:extLst>
+      <p:ext uri="{BB962C8B-B14F-4D97-AF65-F5344CB8AC3E}">
+        <p14:creationId xmlns:p14="http://schemas.microsoft.com/office/powerpoint/2010/main" val="1281735496"/>
+      </p:ext>
+    </p:extLst>
+  </p:cSld>
+  <p:clrMapOvr>
+    <a:masterClrMapping/>
+  </p:clrMapOvr>
+</p:sld>
+</file>
+
+<file path=ppt/slides/slide5.xml><?xml version="1.0" encoding="utf-8"?>
+<p:sld xmlns:a="http://schemas.openxmlformats.org/drawingml/2006/main" xmlns:r="http://schemas.openxmlformats.org/officeDocument/2006/relationships" xmlns:p="http://schemas.openxmlformats.org/presentationml/2006/main">
+  <p:cSld>
+    <p:spTree>
+      <p:nvGrpSpPr>
+        <p:cNvPr id="1" name=""/>
+        <p:cNvGrpSpPr/>
+        <p:nvPr/>
+      </p:nvGrpSpPr>
+      <p:grpSpPr>
+        <a:xfrm>
+          <a:off x="0" y="0"/>
+          <a:ext cx="0" cy="0"/>
+          <a:chOff x="0" y="0"/>
+          <a:chExt cx="0" cy="0"/>
+        </a:xfrm>
+      </p:grpSpPr>
+      <p:sp>
+        <p:nvSpPr>
+          <p:cNvPr id="2" name="Title 1">
+            <a:extLst>
+              <a:ext uri="{FF2B5EF4-FFF2-40B4-BE49-F238E27FC236}">
+                <a16:creationId xmlns:a16="http://schemas.microsoft.com/office/drawing/2014/main" id="{C2EC2D88-CF8F-412E-8E72-2E0BC1DAE5F0}"/>
+              </a:ext>
+            </a:extLst>
+          </p:cNvPr>
+          <p:cNvSpPr>
+            <a:spLocks noGrp="1"/>
+          </p:cNvSpPr>
+          <p:nvPr>
+            <p:ph type="title"/>
+          </p:nvPr>
+        </p:nvSpPr>
+        <p:spPr/>
+        <p:txBody>
+          <a:bodyPr/>
+          <a:lstStyle/>
+          <a:p>
+            <a:endParaRPr lang="da-DK"/>
+          </a:p>
+        </p:txBody>
+      </p:sp>
+      <p:sp>
+        <p:nvSpPr>
+          <p:cNvPr id="3" name="Content Placeholder 2">
+            <a:extLst>
+              <a:ext uri="{FF2B5EF4-FFF2-40B4-BE49-F238E27FC236}">
+                <a16:creationId xmlns:a16="http://schemas.microsoft.com/office/drawing/2014/main" id="{55F6BD61-DE48-46F7-AD0F-FC6D99E29D1F}"/>
+              </a:ext>
+            </a:extLst>
+          </p:cNvPr>
+          <p:cNvSpPr>
+            <a:spLocks noGrp="1"/>
+          </p:cNvSpPr>
+          <p:nvPr>
+            <p:ph idx="1"/>
+          </p:nvPr>
+        </p:nvSpPr>
+        <p:spPr/>
+        <p:txBody>
+          <a:bodyPr/>
+          <a:lstStyle/>
+          <a:p>
+            <a:endParaRPr lang="da-DK"/>
+          </a:p>
+        </p:txBody>
+      </p:sp>
+      <p:sp>
+        <p:nvSpPr>
+          <p:cNvPr id="4" name="Date Placeholder 3">
+            <a:extLst>
+              <a:ext uri="{FF2B5EF4-FFF2-40B4-BE49-F238E27FC236}">
+                <a16:creationId xmlns:a16="http://schemas.microsoft.com/office/drawing/2014/main" id="{684ACBBE-725E-44ED-BCD4-8B24B2DF9FFD}"/>
+              </a:ext>
+            </a:extLst>
+          </p:cNvPr>
+          <p:cNvSpPr>
+            <a:spLocks noGrp="1"/>
+          </p:cNvSpPr>
+          <p:nvPr>
+            <p:ph type="dt" sz="half" idx="10"/>
+          </p:nvPr>
+        </p:nvSpPr>
+        <p:spPr/>
+        <p:txBody>
+          <a:bodyPr/>
+          <a:lstStyle/>
+          <a:p>
+            <a:fld id="{019E29B9-5584-4737-9C98-1B926378C778}" type="datetime1">
+              <a:rPr lang="en-US" smtClean="0"/>
+              <a:t>5/19/2021</a:t>
+            </a:fld>
+            <a:endParaRPr lang="da-DK"/>
+          </a:p>
+        </p:txBody>
+      </p:sp>
+      <p:sp>
+        <p:nvSpPr>
+          <p:cNvPr id="5" name="Footer Placeholder 4">
+            <a:extLst>
+              <a:ext uri="{FF2B5EF4-FFF2-40B4-BE49-F238E27FC236}">
+                <a16:creationId xmlns:a16="http://schemas.microsoft.com/office/drawing/2014/main" id="{847784B3-E2BD-47BF-A769-CB4EA9CCB3A7}"/>
+              </a:ext>
+            </a:extLst>
+          </p:cNvPr>
+          <p:cNvSpPr>
+            <a:spLocks noGrp="1"/>
+          </p:cNvSpPr>
+          <p:nvPr>
+            <p:ph type="ftr" sz="quarter" idx="11"/>
+          </p:nvPr>
+        </p:nvSpPr>
+        <p:spPr/>
+        <p:txBody>
+          <a:bodyPr/>
+          <a:lstStyle/>
+          <a:p>
+            <a:r>
+              <a:rPr lang="da-DK"/>
+              <a:t>Nicki Skafte Detlefsen</a:t>
+            </a:r>
+          </a:p>
+        </p:txBody>
+      </p:sp>
+      <p:sp>
+        <p:nvSpPr>
+          <p:cNvPr id="6" name="Slide Number Placeholder 5">
+            <a:extLst>
+              <a:ext uri="{FF2B5EF4-FFF2-40B4-BE49-F238E27FC236}">
+                <a16:creationId xmlns:a16="http://schemas.microsoft.com/office/drawing/2014/main" id="{93E8D2BF-B261-4639-9190-50D6A6583528}"/>
+              </a:ext>
+            </a:extLst>
+          </p:cNvPr>
+          <p:cNvSpPr>
+            <a:spLocks noGrp="1"/>
+          </p:cNvSpPr>
+          <p:nvPr>
+            <p:ph type="sldNum" sz="quarter" idx="12"/>
+          </p:nvPr>
+        </p:nvSpPr>
+        <p:spPr/>
+        <p:txBody>
+          <a:bodyPr/>
+          <a:lstStyle/>
+          <a:p>
+            <a:fld id="{F6FEDE24-D50C-481B-A7B4-8AF13899101A}" type="slidenum">
+              <a:rPr lang="da-DK" smtClean="0"/>
+              <a:t>5</a:t>
+            </a:fld>
+            <a:endParaRPr lang="da-DK"/>
+          </a:p>
+        </p:txBody>
+      </p:sp>
+    </p:spTree>
+    <p:extLst>
+      <p:ext uri="{BB962C8B-B14F-4D97-AF65-F5344CB8AC3E}">
+        <p14:creationId xmlns:p14="http://schemas.microsoft.com/office/powerpoint/2010/main" val="3586602293"/>
       </p:ext>
     </p:extLst>
   </p:cSld>
